--- a/Fase 3/Evidencias Grupales/presentacion final del proyecto (espanol).pptx
+++ b/Fase 3/Evidencias Grupales/presentacion final del proyecto (espanol).pptx
@@ -14734,7 +14734,7 @@
                 <a:cs typeface="Calibri"/>
                 <a:sym typeface="Calibri"/>
               </a:rPr>
-              <a:t>Total de horas:</a:t>
+              <a:t>Total de horas: 50</a:t>
             </a:r>
             <a:endParaRPr sz="1600">
               <a:solidFill>
@@ -14771,7 +14771,7 @@
                 <a:cs typeface="Calibri"/>
                 <a:sym typeface="Calibri"/>
               </a:rPr>
-              <a:t>Promedio de horas: </a:t>
+              <a:t>Promedio de horas: 12</a:t>
             </a:r>
             <a:endParaRPr sz="1600">
               <a:solidFill>
@@ -14845,7 +14845,7 @@
                 <a:cs typeface="Calibri"/>
                 <a:sym typeface="Calibri"/>
               </a:rPr>
-              <a:t>Mínimo de horas:</a:t>
+              <a:t>Mínimo de horas: 0</a:t>
             </a:r>
             <a:endParaRPr sz="1600">
               <a:solidFill>
